--- a/img/zero.pptx
+++ b/img/zero.pptx
@@ -151,7 +151,7 @@
       </p14:sectionLst>
     </p:ext>
     <p:ext uri="{EFAFB233-063F-42B5-8137-9DF3F51BA10A}">
-      <p15:sldGuideLst xmlns:p15="http://schemas.microsoft.com/office/powerpoint/2012/main" xmlns="">
+      <p15:sldGuideLst xmlns="" xmlns:p15="http://schemas.microsoft.com/office/powerpoint/2012/main">
         <p15:guide id="1" orient="horz" pos="2160">
           <p15:clr>
             <a:srgbClr val="A4A3A4"/>
@@ -165,7 +165,7 @@
       </p15:sldGuideLst>
     </p:ext>
     <p:ext uri="{2D200454-40CA-4A62-9FC3-DE9A4176ACB9}">
-      <p15:notesGuideLst xmlns:p15="http://schemas.microsoft.com/office/powerpoint/2012/main" xmlns="">
+      <p15:notesGuideLst xmlns="" xmlns:p15="http://schemas.microsoft.com/office/powerpoint/2012/main">
         <p15:guide id="1" orient="horz" pos="3223">
           <p15:clr>
             <a:srgbClr val="A4A3A4"/>
@@ -2001,8 +2001,8 @@
         </p:blipFill>
         <p:spPr>
           <a:xfrm>
-            <a:off x="1760118" y="1867586"/>
-            <a:ext cx="720080" cy="720082"/>
+            <a:off x="1909395" y="2075334"/>
+            <a:ext cx="720080" cy="512334"/>
           </a:xfrm>
           <a:prstGeom prst="rect">
             <a:avLst/>
@@ -2045,8 +2045,8 @@
           </a:fontRef>
         </p:style>
       </p:cxnSp>
-      <mc:AlternateContent xmlns:mc="http://schemas.openxmlformats.org/markup-compatibility/2006" xmlns:a14="http://schemas.microsoft.com/office/drawing/2010/main">
-        <mc:Choice Requires="a14">
+      <mc:AlternateContent xmlns:mc="http://schemas.openxmlformats.org/markup-compatibility/2006">
+        <mc:Choice xmlns:a14="http://schemas.microsoft.com/office/drawing/2010/main" Requires="a14">
           <p:sp>
             <p:nvSpPr>
               <p:cNvPr id="42" name="テキスト ボックス 41"/>
@@ -2055,7 +2055,7 @@
             </p:nvSpPr>
             <p:spPr>
               <a:xfrm>
-                <a:off x="1699730" y="1568101"/>
+                <a:off x="1884622" y="1612081"/>
                 <a:ext cx="780468" cy="461665"/>
               </a:xfrm>
               <a:prstGeom prst="rect">
@@ -2162,7 +2162,7 @@
             </p:txBody>
           </p:sp>
         </mc:Choice>
-        <mc:Fallback xmlns="">
+        <mc:Fallback>
           <p:sp>
             <p:nvSpPr>
               <p:cNvPr id="42" name="テキスト ボックス 41"/>
@@ -2173,7 +2173,7 @@
             </p:nvSpPr>
             <p:spPr>
               <a:xfrm>
-                <a:off x="1699730" y="1568101"/>
+                <a:off x="1884622" y="1612081"/>
                 <a:ext cx="780468" cy="461665"/>
               </a:xfrm>
               <a:prstGeom prst="rect">
@@ -2205,8 +2205,8 @@
           </p:sp>
         </mc:Fallback>
       </mc:AlternateContent>
-      <mc:AlternateContent xmlns:mc="http://schemas.openxmlformats.org/markup-compatibility/2006" xmlns:a14="http://schemas.microsoft.com/office/drawing/2010/main">
-        <mc:Choice Requires="a14">
+      <mc:AlternateContent xmlns:mc="http://schemas.openxmlformats.org/markup-compatibility/2006">
+        <mc:Choice xmlns:a14="http://schemas.microsoft.com/office/drawing/2010/main" Requires="a14">
           <p:sp>
             <p:nvSpPr>
               <p:cNvPr id="28" name="テキスト ボックス 27"/>
@@ -2215,7 +2215,7 @@
             </p:nvSpPr>
             <p:spPr>
               <a:xfrm>
-                <a:off x="2862064" y="1571278"/>
+                <a:off x="2923404" y="1612081"/>
                 <a:ext cx="780468" cy="461665"/>
               </a:xfrm>
               <a:prstGeom prst="rect">
@@ -2330,7 +2330,7 @@
             </p:txBody>
           </p:sp>
         </mc:Choice>
-        <mc:Fallback xmlns="">
+        <mc:Fallback>
           <p:sp>
             <p:nvSpPr>
               <p:cNvPr id="28" name="テキスト ボックス 27"/>
@@ -2341,7 +2341,7 @@
             </p:nvSpPr>
             <p:spPr>
               <a:xfrm>
-                <a:off x="2862064" y="1571278"/>
+                <a:off x="2923404" y="1612081"/>
                 <a:ext cx="780468" cy="461665"/>
               </a:xfrm>
               <a:prstGeom prst="rect">
@@ -2350,7 +2350,7 @@
               <a:blipFill rotWithShape="1">
                 <a:blip r:embed="rId5"/>
                 <a:stretch>
-                  <a:fillRect b="-12000"/>
+                  <a:fillRect b="-10526"/>
                 </a:stretch>
               </a:blipFill>
               <a:ln w="19050" cap="rnd">
@@ -2409,8 +2409,8 @@
           </a:fontRef>
         </p:style>
       </p:cxnSp>
-      <mc:AlternateContent xmlns:mc="http://schemas.openxmlformats.org/markup-compatibility/2006" xmlns:a14="http://schemas.microsoft.com/office/drawing/2010/main">
-        <mc:Choice Requires="a14">
+      <mc:AlternateContent xmlns:mc="http://schemas.openxmlformats.org/markup-compatibility/2006">
+        <mc:Choice xmlns:a14="http://schemas.microsoft.com/office/drawing/2010/main" Requires="a14">
           <p:sp>
             <p:nvSpPr>
               <p:cNvPr id="32" name="テキスト ボックス 31"/>
@@ -2419,7 +2419,7 @@
             </p:nvSpPr>
             <p:spPr>
               <a:xfrm>
-                <a:off x="773832" y="1571278"/>
+                <a:off x="845840" y="1612081"/>
                 <a:ext cx="780468" cy="461665"/>
               </a:xfrm>
               <a:prstGeom prst="rect">
@@ -2503,7 +2503,7 @@
             </p:txBody>
           </p:sp>
         </mc:Choice>
-        <mc:Fallback xmlns="">
+        <mc:Fallback>
           <p:sp>
             <p:nvSpPr>
               <p:cNvPr id="32" name="テキスト ボックス 31"/>
@@ -2514,7 +2514,7 @@
             </p:nvSpPr>
             <p:spPr>
               <a:xfrm>
-                <a:off x="773832" y="1571278"/>
+                <a:off x="845840" y="1612081"/>
                 <a:ext cx="780468" cy="461665"/>
               </a:xfrm>
               <a:prstGeom prst="rect">
@@ -2523,7 +2523,7 @@
               <a:blipFill rotWithShape="1">
                 <a:blip r:embed="rId6"/>
                 <a:stretch>
-                  <a:fillRect b="-12000"/>
+                  <a:fillRect b="-10526"/>
                 </a:stretch>
               </a:blipFill>
               <a:ln w="19050" cap="rnd">
